--- a/events/2020-04-16/00-index.pptx
+++ b/events/2020-04-16/00-index.pptx
@@ -195,7 +195,7 @@
             <a:fld id="{35305EB0-020F-4995-961E-A35B2BB78D2B}" type="datetimeFigureOut">
               <a:rPr kumimoji="1" lang="ja-JP" altLang="en-US" smtClean="0"/>
               <a:pPr/>
-              <a:t>2020/4/12</a:t>
+              <a:t>2020/4/16</a:t>
             </a:fld>
             <a:endParaRPr kumimoji="1" lang="ja-JP" altLang="en-US"/>
           </a:p>
@@ -52526,17 +52526,17 @@
         <p:spPr/>
         <p:txBody>
           <a:bodyPr>
-            <a:normAutofit fontScale="92500"/>
+            <a:normAutofit fontScale="85000" lnSpcReduction="20000"/>
           </a:bodyPr>
           <a:lstStyle/>
           <a:p>
             <a:r>
-              <a:rPr lang="ja-JP" altLang="en-US" dirty="0" smtClean="0"/>
-              <a:t>オンライン</a:t>
+              <a:rPr lang="en-US" altLang="ja-JP" dirty="0" smtClean="0"/>
+              <a:t>1. </a:t>
             </a:r>
             <a:r>
               <a:rPr lang="ja-JP" altLang="en-US" dirty="0" smtClean="0"/>
-              <a:t>授業</a:t>
+              <a:t>オンライン授業</a:t>
             </a:r>
             <a:r>
               <a:rPr lang="en-US" altLang="ja-JP" dirty="0" smtClean="0"/>
@@ -52544,11 +52544,7 @@
             </a:r>
             <a:r>
               <a:rPr lang="ja-JP" altLang="en-US" dirty="0" smtClean="0"/>
-              <a:t>通知</a:t>
-            </a:r>
-            <a:r>
-              <a:rPr lang="ja-JP" altLang="en-US" dirty="0" smtClean="0"/>
-              <a:t>方法 ～ </a:t>
+              <a:t>通知方法 ～ </a:t>
             </a:r>
             <a:r>
               <a:rPr lang="en-US" altLang="ja-JP" dirty="0" smtClean="0"/>
@@ -52556,41 +52552,62 @@
             </a:r>
             <a:r>
               <a:rPr lang="ja-JP" altLang="en-US" dirty="0" smtClean="0"/>
-              <a:t>からの更新情報（</a:t>
-            </a:r>
-            <a:r>
-              <a:rPr lang="ja-JP" altLang="en-US" dirty="0" smtClean="0"/>
-              <a:t>田浦）</a:t>
+              <a:t>からの更新情報（田浦）</a:t>
             </a:r>
             <a:r>
               <a:rPr lang="en-US" altLang="ja-JP" dirty="0" smtClean="0"/>
               <a:t> </a:t>
             </a:r>
-            <a:endParaRPr lang="en-US" altLang="ja-JP" dirty="0" smtClean="0"/>
           </a:p>
           <a:p>
             <a:r>
-              <a:rPr lang="ja-JP" altLang="en-US" dirty="0" smtClean="0"/>
-              <a:t>学生のケアと学科・専攻との</a:t>
+              <a:rPr lang="en-US" altLang="ja-JP" dirty="0" smtClean="0"/>
+              <a:t>2. </a:t>
             </a:r>
             <a:r>
               <a:rPr lang="ja-JP" altLang="en-US" dirty="0" smtClean="0"/>
-              <a:t>連絡網（田浦）</a:t>
+              <a:t>学生のケアと学科・専攻の連絡体制（田浦）</a:t>
             </a:r>
             <a:endParaRPr lang="en-US" altLang="ja-JP" dirty="0" smtClean="0"/>
           </a:p>
           <a:p>
             <a:r>
-              <a:rPr lang="ja-JP" altLang="en-US" dirty="0" smtClean="0"/>
-              <a:t>クラスサポータ、全学</a:t>
+              <a:rPr lang="en-US" altLang="ja-JP" dirty="0" smtClean="0"/>
+              <a:t>3. </a:t>
             </a:r>
             <a:r>
               <a:rPr lang="ja-JP" altLang="en-US" dirty="0" smtClean="0"/>
-              <a:t>サポータ（田浦）</a:t>
+              <a:t>オンライン授業受講のための</a:t>
+            </a:r>
+            <a:r>
+              <a:rPr lang="en-US" altLang="ja-JP" dirty="0" smtClean="0"/>
+              <a:t/>
+            </a:r>
+            <a:br>
+              <a:rPr lang="en-US" altLang="ja-JP" dirty="0" smtClean="0"/>
+            </a:br>
+            <a:r>
+              <a:rPr lang="ja-JP" altLang="en-US" dirty="0" smtClean="0"/>
+              <a:t>ネットワーク環境支援ついて（田浦）</a:t>
             </a:r>
             <a:endParaRPr lang="en-US" altLang="ja-JP" dirty="0" smtClean="0"/>
           </a:p>
           <a:p>
+            <a:r>
+              <a:rPr lang="en-US" altLang="ja-JP" dirty="0" smtClean="0"/>
+              <a:t>4. </a:t>
+            </a:r>
+            <a:r>
+              <a:rPr lang="ja-JP" altLang="en-US" dirty="0" smtClean="0"/>
+              <a:t>クラスサポータについて（田浦）</a:t>
+            </a:r>
+            <a:endParaRPr lang="en-US" altLang="ja-JP" dirty="0" smtClean="0"/>
+          </a:p>
+          <a:p>
+            <a:r>
+              <a:rPr lang="en-US" altLang="ja-JP" dirty="0" smtClean="0"/>
+              <a:t>5. </a:t>
+            </a:r>
             <a:r>
               <a:rPr lang="ja-JP" altLang="en-US" dirty="0" smtClean="0"/>
               <a:t>著作物の利用に関する</a:t>
@@ -52607,12 +52624,16 @@
           </a:p>
           <a:p>
             <a:r>
-              <a:rPr lang="ja-JP" altLang="en-US" dirty="0" smtClean="0"/>
-              <a:t>授業録画の蓄積・公開</a:t>
+              <a:rPr lang="en-US" altLang="ja-JP" dirty="0" smtClean="0"/>
+              <a:t>6. </a:t>
             </a:r>
             <a:r>
               <a:rPr lang="ja-JP" altLang="en-US" dirty="0" smtClean="0"/>
-              <a:t>方法</a:t>
+              <a:t>アカウント</a:t>
+            </a:r>
+            <a:r>
+              <a:rPr lang="ja-JP" altLang="en-US" dirty="0" smtClean="0"/>
+              <a:t>とメールアドレス</a:t>
             </a:r>
             <a:r>
               <a:rPr lang="ja-JP" altLang="en-US" dirty="0" smtClean="0"/>
@@ -52620,7 +52641,37 @@
             </a:r>
             <a:r>
               <a:rPr lang="ja-JP" altLang="en-US" dirty="0" smtClean="0"/>
-              <a:t>吉田</a:t>
+              <a:t>工藤）</a:t>
+            </a:r>
+            <a:endParaRPr lang="en-US" altLang="ja-JP" dirty="0" smtClean="0"/>
+          </a:p>
+          <a:p>
+            <a:r>
+              <a:rPr lang="en-US" altLang="ja-JP" dirty="0" smtClean="0"/>
+              <a:t>7. </a:t>
+            </a:r>
+            <a:r>
+              <a:rPr lang="ja-JP" altLang="en-US" dirty="0" smtClean="0"/>
+              <a:t>授業形態に</a:t>
+            </a:r>
+            <a:r>
+              <a:rPr lang="ja-JP" altLang="en-US" dirty="0" smtClean="0"/>
+              <a:t>よる通信量目安（</a:t>
+            </a:r>
+            <a:r>
+              <a:rPr lang="ja-JP" altLang="en-US" dirty="0" smtClean="0"/>
+              <a:t>工藤）</a:t>
+            </a:r>
+            <a:endParaRPr lang="en-US" altLang="ja-JP" dirty="0" smtClean="0"/>
+          </a:p>
+          <a:p>
+            <a:r>
+              <a:rPr lang="en-US" altLang="ja-JP" dirty="0" smtClean="0"/>
+              <a:t>8. Zoom</a:t>
+            </a:r>
+            <a:r>
+              <a:rPr lang="ja-JP" altLang="en-US" dirty="0" smtClean="0"/>
+              <a:t>を授業で安全に利用するために（吉田</a:t>
             </a:r>
             <a:r>
               <a:rPr lang="ja-JP" altLang="en-US" dirty="0" smtClean="0"/>
@@ -52630,36 +52681,24 @@
           </a:p>
           <a:p>
             <a:r>
-              <a:rPr lang="en-US" altLang="ja-JP" dirty="0" smtClean="0"/>
-              <a:t>Zoom</a:t>
+              <a:rPr kumimoji="1" lang="en-US" altLang="ja-JP" dirty="0" smtClean="0"/>
+              <a:t>9. </a:t>
             </a:r>
             <a:r>
               <a:rPr lang="ja-JP" altLang="en-US" dirty="0" smtClean="0"/>
-              <a:t>を授業で安全に利用するため</a:t>
+              <a:t>授業</a:t>
             </a:r>
             <a:r>
-              <a:rPr lang="ja-JP" altLang="en-US" dirty="0" smtClean="0"/>
-              <a:t>に</a:t>
+              <a:rPr kumimoji="1" lang="ja-JP" altLang="en-US" dirty="0" smtClean="0"/>
+              <a:t>録画の</a:t>
             </a:r>
             <a:r>
-              <a:rPr lang="ja-JP" altLang="en-US" dirty="0" smtClean="0"/>
-              <a:t>（工藤</a:t>
+              <a:rPr kumimoji="1" lang="ja-JP" altLang="en-US" smtClean="0"/>
+              <a:t>提供方法</a:t>
             </a:r>
             <a:r>
-              <a:rPr lang="en-US" altLang="ja-JP" dirty="0" smtClean="0"/>
-              <a:t>? </a:t>
-            </a:r>
-            <a:r>
-              <a:rPr lang="ja-JP" altLang="en-US" dirty="0" smtClean="0"/>
-              <a:t>吉田</a:t>
-            </a:r>
-            <a:r>
-              <a:rPr lang="en-US" altLang="ja-JP" dirty="0" smtClean="0"/>
-              <a:t>?</a:t>
-            </a:r>
-            <a:r>
-              <a:rPr lang="ja-JP" altLang="en-US" dirty="0" smtClean="0"/>
-              <a:t>）</a:t>
+              <a:rPr lang="ja-JP" altLang="en-US" smtClean="0"/>
+              <a:t>（吉田）</a:t>
             </a:r>
             <a:endParaRPr kumimoji="1" lang="ja-JP" altLang="en-US" dirty="0"/>
           </a:p>
@@ -52746,7 +52785,7 @@
 <file path=ppt/theme/theme1.xml><?xml version="1.0" encoding="utf-8"?>
 <a:theme xmlns:a="http://schemas.openxmlformats.org/drawingml/2006/main" name="雪藤">
   <a:themeElements>
-    <a:clrScheme name="雪藤">
+    <a:clrScheme name="グレースケール">
       <a:dk1>
         <a:sysClr val="windowText" lastClr="000000"/>
       </a:dk1>
@@ -52754,34 +52793,34 @@
         <a:sysClr val="window" lastClr="FFFFFF"/>
       </a:lt1>
       <a:dk2>
-        <a:srgbClr val="000049"/>
+        <a:srgbClr val="000000"/>
       </a:dk2>
       <a:lt2>
-        <a:srgbClr val="E3E8FF"/>
+        <a:srgbClr val="F8F8F8"/>
       </a:lt2>
       <a:accent1>
-        <a:srgbClr val="947098"/>
+        <a:srgbClr val="DDDDDD"/>
       </a:accent1>
       <a:accent2>
-        <a:srgbClr val="809E90"/>
+        <a:srgbClr val="B2B2B2"/>
       </a:accent2>
       <a:accent3>
-        <a:srgbClr val="7574AC"/>
+        <a:srgbClr val="969696"/>
       </a:accent3>
       <a:accent4>
-        <a:srgbClr val="A4715D"/>
+        <a:srgbClr val="808080"/>
       </a:accent4>
       <a:accent5>
-        <a:srgbClr val="9E9E78"/>
+        <a:srgbClr val="5F5F5F"/>
       </a:accent5>
       <a:accent6>
-        <a:srgbClr val="6079A4"/>
+        <a:srgbClr val="4D4D4D"/>
       </a:accent6>
       <a:hlink>
-        <a:srgbClr val="0000FF"/>
+        <a:srgbClr val="5F5F5F"/>
       </a:hlink>
       <a:folHlink>
-        <a:srgbClr val="800080"/>
+        <a:srgbClr val="919191"/>
       </a:folHlink>
     </a:clrScheme>
     <a:fontScheme name="ユーザー定義 1">

--- a/events/2020-04-16/00-index.pptx
+++ b/events/2020-04-16/00-index.pptx
@@ -52577,18 +52577,19 @@
             </a:r>
             <a:r>
               <a:rPr lang="ja-JP" altLang="en-US" dirty="0" smtClean="0"/>
-              <a:t>オンライン授業受講のための</a:t>
+              <a:t>オンライン授業受講の</a:t>
             </a:r>
             <a:r>
-              <a:rPr lang="en-US" altLang="ja-JP" dirty="0" smtClean="0"/>
-              <a:t/>
+              <a:rPr lang="ja-JP" altLang="en-US" smtClean="0"/>
+              <a:t>ため</a:t>
             </a:r>
-            <a:br>
-              <a:rPr lang="en-US" altLang="ja-JP" dirty="0" smtClean="0"/>
-            </a:br>
+            <a:r>
+              <a:rPr lang="ja-JP" altLang="en-US" smtClean="0"/>
+              <a:t>のネットワーク</a:t>
+            </a:r>
             <a:r>
               <a:rPr lang="ja-JP" altLang="en-US" dirty="0" smtClean="0"/>
-              <a:t>ネットワーク環境支援ついて（田浦）</a:t>
+              <a:t>環境支援ついて（田浦）</a:t>
             </a:r>
             <a:endParaRPr lang="en-US" altLang="ja-JP" dirty="0" smtClean="0"/>
           </a:p>
@@ -52629,19 +52630,7 @@
             </a:r>
             <a:r>
               <a:rPr lang="ja-JP" altLang="en-US" dirty="0" smtClean="0"/>
-              <a:t>アカウント</a:t>
-            </a:r>
-            <a:r>
-              <a:rPr lang="ja-JP" altLang="en-US" dirty="0" smtClean="0"/>
-              <a:t>とメールアドレス</a:t>
-            </a:r>
-            <a:r>
-              <a:rPr lang="ja-JP" altLang="en-US" dirty="0" smtClean="0"/>
-              <a:t>（</a:t>
-            </a:r>
-            <a:r>
-              <a:rPr lang="ja-JP" altLang="en-US" dirty="0" smtClean="0"/>
-              <a:t>工藤）</a:t>
+              <a:t>アカウントとメールアドレス（工藤）</a:t>
             </a:r>
             <a:endParaRPr lang="en-US" altLang="ja-JP" dirty="0" smtClean="0"/>
           </a:p>
@@ -52652,15 +52641,7 @@
             </a:r>
             <a:r>
               <a:rPr lang="ja-JP" altLang="en-US" dirty="0" smtClean="0"/>
-              <a:t>授業形態に</a:t>
-            </a:r>
-            <a:r>
-              <a:rPr lang="ja-JP" altLang="en-US" dirty="0" smtClean="0"/>
-              <a:t>よる通信量目安（</a:t>
-            </a:r>
-            <a:r>
-              <a:rPr lang="ja-JP" altLang="en-US" dirty="0" smtClean="0"/>
-              <a:t>工藤）</a:t>
+              <a:t>授業形態による通信量目安（工藤）</a:t>
             </a:r>
             <a:endParaRPr lang="en-US" altLang="ja-JP" dirty="0" smtClean="0"/>
           </a:p>
@@ -52671,11 +52652,7 @@
             </a:r>
             <a:r>
               <a:rPr lang="ja-JP" altLang="en-US" dirty="0" smtClean="0"/>
-              <a:t>を授業で安全に利用するために（吉田</a:t>
-            </a:r>
-            <a:r>
-              <a:rPr lang="ja-JP" altLang="en-US" dirty="0" smtClean="0"/>
-              <a:t>）</a:t>
+              <a:t>を授業で安全に利用するために（吉田）</a:t>
             </a:r>
             <a:endParaRPr lang="en-US" altLang="ja-JP" dirty="0" smtClean="0"/>
           </a:p>
@@ -52690,14 +52667,10 @@
             </a:r>
             <a:r>
               <a:rPr kumimoji="1" lang="ja-JP" altLang="en-US" dirty="0" smtClean="0"/>
-              <a:t>録画の</a:t>
+              <a:t>録画の提供方法</a:t>
             </a:r>
             <a:r>
-              <a:rPr kumimoji="1" lang="ja-JP" altLang="en-US" smtClean="0"/>
-              <a:t>提供方法</a:t>
-            </a:r>
-            <a:r>
-              <a:rPr lang="ja-JP" altLang="en-US" smtClean="0"/>
+              <a:rPr lang="ja-JP" altLang="en-US" dirty="0" smtClean="0"/>
               <a:t>（吉田）</a:t>
             </a:r>
             <a:endParaRPr kumimoji="1" lang="ja-JP" altLang="en-US" dirty="0"/>

--- a/events/2020-04-16/00-index.pptx
+++ b/events/2020-04-16/00-index.pptx
@@ -52278,14 +52278,48 @@
         <p:spPr/>
         <p:txBody>
           <a:bodyPr>
-            <a:normAutofit/>
+            <a:normAutofit fontScale="77500" lnSpcReduction="20000"/>
           </a:bodyPr>
           <a:lstStyle/>
           <a:p>
+            <a:pPr algn="l"/>
             <a:r>
               <a:rPr kumimoji="1" lang="ja-JP" altLang="en-US" dirty="0" smtClean="0"/>
-              <a:t>情報基盤センター 田浦健次朗</a:t>
+              <a:t>情報基盤センター </a:t>
             </a:r>
+            <a:r>
+              <a:rPr kumimoji="1" lang="ja-JP" altLang="en-US" u="sng" dirty="0" smtClean="0"/>
+              <a:t>田浦健次</a:t>
+            </a:r>
+            <a:r>
+              <a:rPr kumimoji="1" lang="ja-JP" altLang="en-US" u="sng" dirty="0" smtClean="0"/>
+              <a:t>朗</a:t>
+            </a:r>
+            <a:endParaRPr kumimoji="1" lang="en-US" altLang="ja-JP" u="sng" dirty="0" smtClean="0"/>
+          </a:p>
+          <a:p>
+            <a:pPr algn="l"/>
+            <a:r>
+              <a:rPr lang="ja-JP" altLang="en-US" dirty="0" smtClean="0"/>
+              <a:t>情報基盤</a:t>
+            </a:r>
+            <a:r>
+              <a:rPr lang="ja-JP" altLang="en-US" dirty="0" smtClean="0"/>
+              <a:t>センター 工藤知宏</a:t>
+            </a:r>
+            <a:endParaRPr lang="en-US" altLang="ja-JP" dirty="0" smtClean="0"/>
+          </a:p>
+          <a:p>
+            <a:pPr algn="l"/>
+            <a:r>
+              <a:rPr kumimoji="1" lang="ja-JP" altLang="en-US" dirty="0" smtClean="0"/>
+              <a:t>大学総合教育研究</a:t>
+            </a:r>
+            <a:r>
+              <a:rPr kumimoji="1" lang="ja-JP" altLang="en-US" dirty="0" smtClean="0"/>
+              <a:t>センター 吉田塁</a:t>
+            </a:r>
+            <a:endParaRPr kumimoji="1" lang="ja-JP" altLang="en-US" dirty="0" smtClean="0"/>
           </a:p>
         </p:txBody>
       </p:sp>
@@ -52577,19 +52611,7 @@
             </a:r>
             <a:r>
               <a:rPr lang="ja-JP" altLang="en-US" dirty="0" smtClean="0"/>
-              <a:t>オンライン授業受講の</a:t>
-            </a:r>
-            <a:r>
-              <a:rPr lang="ja-JP" altLang="en-US" smtClean="0"/>
-              <a:t>ため</a:t>
-            </a:r>
-            <a:r>
-              <a:rPr lang="ja-JP" altLang="en-US" smtClean="0"/>
-              <a:t>のネットワーク</a:t>
-            </a:r>
-            <a:r>
-              <a:rPr lang="ja-JP" altLang="en-US" dirty="0" smtClean="0"/>
-              <a:t>環境支援ついて（田浦）</a:t>
+              <a:t>オンライン授業受講のためのネットワーク環境支援ついて（田浦）</a:t>
             </a:r>
             <a:endParaRPr lang="en-US" altLang="ja-JP" dirty="0" smtClean="0"/>
           </a:p>
@@ -52641,18 +52663,34 @@
             </a:r>
             <a:r>
               <a:rPr lang="ja-JP" altLang="en-US" dirty="0" smtClean="0"/>
-              <a:t>授業形態による通信量目安（工藤）</a:t>
+              <a:t>オンライン授業の</a:t>
+            </a:r>
+            <a:r>
+              <a:rPr lang="ja-JP" altLang="en-US" dirty="0" smtClean="0"/>
+              <a:t>通信量（</a:t>
+            </a:r>
+            <a:r>
+              <a:rPr lang="ja-JP" altLang="en-US" dirty="0" smtClean="0"/>
+              <a:t>工藤）</a:t>
             </a:r>
             <a:endParaRPr lang="en-US" altLang="ja-JP" dirty="0" smtClean="0"/>
           </a:p>
           <a:p>
             <a:r>
               <a:rPr lang="en-US" altLang="ja-JP" dirty="0" smtClean="0"/>
-              <a:t>8. Zoom</a:t>
+              <a:t>8. </a:t>
+            </a:r>
+            <a:r>
+              <a:rPr lang="en-US" altLang="ja-JP" dirty="0" smtClean="0"/>
+              <a:t>Zoom</a:t>
             </a:r>
             <a:r>
               <a:rPr lang="ja-JP" altLang="en-US" dirty="0" smtClean="0"/>
-              <a:t>を授業で安全に利用するために（吉田）</a:t>
+              <a:t>に関するアップデート（</a:t>
+            </a:r>
+            <a:r>
+              <a:rPr lang="ja-JP" altLang="en-US" dirty="0" smtClean="0"/>
+              <a:t>吉田）</a:t>
             </a:r>
             <a:endParaRPr lang="en-US" altLang="ja-JP" dirty="0" smtClean="0"/>
           </a:p>
@@ -52662,16 +52700,20 @@
               <a:t>9. </a:t>
             </a:r>
             <a:r>
-              <a:rPr lang="ja-JP" altLang="en-US" dirty="0" smtClean="0"/>
-              <a:t>授業</a:t>
+              <a:rPr kumimoji="1" lang="ja-JP" altLang="en-US" dirty="0" smtClean="0"/>
+              <a:t>オンライン授業</a:t>
             </a:r>
             <a:r>
-              <a:rPr kumimoji="1" lang="ja-JP" altLang="en-US" dirty="0" smtClean="0"/>
-              <a:t>録画の提供方法</a:t>
+              <a:rPr kumimoji="1" lang="en-US" altLang="ja-JP" dirty="0" smtClean="0"/>
+              <a:t>Tips</a:t>
             </a:r>
             <a:r>
               <a:rPr lang="ja-JP" altLang="en-US" dirty="0" smtClean="0"/>
-              <a:t>（吉田）</a:t>
+              <a:t>（</a:t>
+            </a:r>
+            <a:r>
+              <a:rPr lang="ja-JP" altLang="en-US" dirty="0" smtClean="0"/>
+              <a:t>吉田）</a:t>
             </a:r>
             <a:endParaRPr kumimoji="1" lang="ja-JP" altLang="en-US" dirty="0"/>
           </a:p>
